--- a/documents/posters/Samdarshi et al. LMU Symposium 2018-firstDraft.pptx
+++ b/documents/posters/Samdarshi et al. LMU Symposium 2018-firstDraft.pptx
@@ -13910,7 +13910,7 @@
         <p:spPr>
           <a:xfrm>
             <a:off x="11885818" y="13323559"/>
-            <a:ext cx="4688116" cy="4708981"/>
+            <a:ext cx="4688116" cy="2893100"/>
           </a:xfrm>
           <a:prstGeom prst="rect">
             <a:avLst/>
@@ -13973,43 +13973,6 @@
               </a:rPr>
               <a:t>Nodes have a charge, which repels or attracts other nodes.</a:t>
             </a:r>
-          </a:p>
-          <a:p>
-            <a:pPr marL="457200" lvl="0" indent="-236538">
-              <a:buClr>
-                <a:schemeClr val="dk1"/>
-              </a:buClr>
-              <a:buSzPct val="100000"/>
-              <a:buFont typeface="Arial"/>
-              <a:buChar char="•"/>
-            </a:pPr>
-            <a:r>
-              <a:rPr lang="en-US" sz="2000" dirty="0">
-                <a:solidFill>
-                  <a:schemeClr val="dk1"/>
-                </a:solidFill>
-              </a:rPr>
-              <a:t>The charge distance determines at what range a node’s charge will affect other nodes.</a:t>
-            </a:r>
-          </a:p>
-          <a:p>
-            <a:pPr marL="457200" lvl="0" indent="-236538">
-              <a:buClr>
-                <a:schemeClr val="dk1"/>
-              </a:buClr>
-              <a:buSzPct val="100000"/>
-              <a:buFont typeface="Arial"/>
-              <a:buChar char="•"/>
-            </a:pPr>
-            <a:r>
-              <a:rPr lang="en-US" sz="2000" dirty="0"/>
-              <a:t>Gravity determines the strength of the force holding the nodes to the center of the graph.</a:t>
-            </a:r>
-            <a:endParaRPr lang="en-US" sz="2000" dirty="0">
-              <a:solidFill>
-                <a:schemeClr val="dk1"/>
-              </a:solidFill>
-            </a:endParaRPr>
           </a:p>
           <a:p>
             <a:pPr marL="457200" lvl="0" indent="-236538">
@@ -14190,35 +14153,6 @@
           </a:prstGeom>
         </p:spPr>
       </p:pic>
-      <p:sp>
-        <p:nvSpPr>
-          <p:cNvPr id="77" name="TextBox 76"/>
-          <p:cNvSpPr txBox="1"/>
-          <p:nvPr/>
-        </p:nvSpPr>
-        <p:spPr>
-          <a:xfrm>
-            <a:off x="18764937" y="7992689"/>
-            <a:ext cx="7074373" cy="523220"/>
-          </a:xfrm>
-          <a:prstGeom prst="rect">
-            <a:avLst/>
-          </a:prstGeom>
-          <a:noFill/>
-        </p:spPr>
-        <p:txBody>
-          <a:bodyPr wrap="none" rtlCol="0">
-            <a:spAutoFit/>
-          </a:bodyPr>
-          <a:lstStyle/>
-          <a:p>
-            <a:r>
-              <a:rPr lang="en-US" sz="2800" b="1" dirty="0"/>
-              <a:t>3. Weighted graph laid out automatically</a:t>
-            </a:r>
-          </a:p>
-        </p:txBody>
-      </p:sp>
       <p:pic>
         <p:nvPicPr>
           <p:cNvPr id="158" name="Shape 123"/>
@@ -15043,30 +14977,6 @@
           </a:fontRef>
         </p:style>
       </p:cxnSp>
-      <p:pic>
-        <p:nvPicPr>
-          <p:cNvPr id="14" name="Picture 13"/>
-          <p:cNvPicPr>
-            <a:picLocks noChangeAspect="1"/>
-          </p:cNvPicPr>
-          <p:nvPr/>
-        </p:nvPicPr>
-        <p:blipFill>
-          <a:blip r:embed="rId15"/>
-          <a:stretch>
-            <a:fillRect/>
-          </a:stretch>
-        </p:blipFill>
-        <p:spPr>
-          <a:xfrm>
-            <a:off x="27102631" y="7549851"/>
-            <a:ext cx="490619" cy="280573"/>
-          </a:xfrm>
-          <a:prstGeom prst="rect">
-            <a:avLst/>
-          </a:prstGeom>
-        </p:spPr>
-      </p:pic>
       <p:sp>
         <p:nvSpPr>
           <p:cNvPr id="86" name="Rectangle 85"/>
@@ -15113,35 +15023,6 @@
       </p:sp>
       <p:sp>
         <p:nvSpPr>
-          <p:cNvPr id="87" name="TextBox 86"/>
-          <p:cNvSpPr txBox="1"/>
-          <p:nvPr/>
-        </p:nvSpPr>
-        <p:spPr>
-          <a:xfrm>
-            <a:off x="26753084" y="7399580"/>
-            <a:ext cx="384365" cy="523220"/>
-          </a:xfrm>
-          <a:prstGeom prst="rect">
-            <a:avLst/>
-          </a:prstGeom>
-          <a:noFill/>
-        </p:spPr>
-        <p:txBody>
-          <a:bodyPr wrap="none" rtlCol="0">
-            <a:spAutoFit/>
-          </a:bodyPr>
-          <a:lstStyle/>
-          <a:p>
-            <a:r>
-              <a:rPr lang="en-US" sz="2800" b="1" dirty="0"/>
-              <a:t>4</a:t>
-            </a:r>
-          </a:p>
-        </p:txBody>
-      </p:sp>
-      <p:sp>
-        <p:nvSpPr>
           <p:cNvPr id="15" name="TextBox 14"/>
           <p:cNvSpPr txBox="1"/>
           <p:nvPr/>
@@ -15387,7 +15268,7 @@
                   <a:schemeClr val="tx1"/>
                 </a:solidFill>
               </a:rPr>
-              <a:t> has been tested with and confirmed to be working in Chrome version 53 or higher and Firefox version 48 or higher on Windows 7 and Mac OS X.</a:t>
+              <a:t> has been tested with and confirmed to be working in Chrome version 64 or higher and Firefox version 58 or higher on Windows 7 and Mac OS X.</a:t>
             </a:r>
           </a:p>
           <a:p>
@@ -15630,7 +15511,7 @@
           <p:nvPr/>
         </p:nvPicPr>
         <p:blipFill>
-          <a:blip r:embed="rId16">
+          <a:blip r:embed="rId15">
             <a:extLst>
               <a:ext uri="{28A0092B-C50C-407E-A947-70E740481C1C}">
                 <a14:useLocalDpi xmlns:a14="http://schemas.microsoft.com/office/drawing/2010/main" val="0"/>
@@ -15783,35 +15664,6 @@
           </a:p>
         </p:txBody>
       </p:sp>
-      <p:pic>
-        <p:nvPicPr>
-          <p:cNvPr id="192" name="Picture 191"/>
-          <p:cNvPicPr>
-            <a:picLocks noChangeAspect="1"/>
-          </p:cNvPicPr>
-          <p:nvPr/>
-        </p:nvPicPr>
-        <p:blipFill rotWithShape="1">
-          <a:blip r:embed="rId17">
-            <a:extLst>
-              <a:ext uri="{28A0092B-C50C-407E-A947-70E740481C1C}">
-                <a14:useLocalDpi xmlns:a14="http://schemas.microsoft.com/office/drawing/2010/main" val="0"/>
-              </a:ext>
-            </a:extLst>
-          </a:blip>
-          <a:srcRect l="7621" r="12389" b="15049"/>
-          <a:stretch/>
-        </p:blipFill>
-        <p:spPr>
-          <a:xfrm>
-            <a:off x="39924596" y="21996148"/>
-            <a:ext cx="3098692" cy="3033778"/>
-          </a:xfrm>
-          <a:prstGeom prst="rect">
-            <a:avLst/>
-          </a:prstGeom>
-        </p:spPr>
-      </p:pic>
       <p:sp>
         <p:nvSpPr>
           <p:cNvPr id="111" name="TextBox 110"/>
@@ -15841,7 +15693,7 @@
                   <a:schemeClr val="tx1"/>
                 </a:solidFill>
               </a:rPr>
-              <a:t>5564 total visitors and </a:t>
+              <a:t>6236 total visitors and </a:t>
             </a:r>
           </a:p>
           <a:p>
@@ -15863,7 +15715,7 @@
                   <a:schemeClr val="tx1"/>
                 </a:solidFill>
               </a:rPr>
-              <a:t>26 January 2017</a:t>
+              <a:t>11 March 2018</a:t>
             </a:r>
           </a:p>
         </p:txBody>
@@ -16654,7 +16506,7 @@
           <p:nvPr/>
         </p:nvPicPr>
         <p:blipFill rotWithShape="1">
-          <a:blip r:embed="rId18"/>
+          <a:blip r:embed="rId16"/>
           <a:srcRect l="-2" t="36170" r="16547" b="19645"/>
           <a:stretch/>
         </p:blipFill>
@@ -16677,7 +16529,7 @@
           <p:nvPr/>
         </p:nvPicPr>
         <p:blipFill>
-          <a:blip r:embed="rId19"/>
+          <a:blip r:embed="rId17"/>
           <a:stretch>
             <a:fillRect/>
           </a:stretch>
@@ -16953,7 +16805,7 @@
           <p:nvPr/>
         </p:nvPicPr>
         <p:blipFill>
-          <a:blip r:embed="rId20">
+          <a:blip r:embed="rId18">
             <a:extLst>
               <a:ext uri="{28A0092B-C50C-407E-A947-70E740481C1C}">
                 <a14:useLocalDpi xmlns:a14="http://schemas.microsoft.com/office/drawing/2010/main" val="0"/>
@@ -17192,7 +17044,7 @@
         </p:nvSpPr>
         <p:spPr>
           <a:xfrm>
-            <a:off x="33120606" y="12922069"/>
+            <a:off x="33120606" y="13556548"/>
             <a:ext cx="9277693" cy="1446550"/>
           </a:xfrm>
           <a:prstGeom prst="rect">
@@ -17332,7 +17184,7 @@
         </p:nvSpPr>
         <p:spPr>
           <a:xfrm>
-            <a:off x="33158749" y="10544297"/>
+            <a:off x="33158749" y="11029484"/>
             <a:ext cx="8422225" cy="2800767"/>
           </a:xfrm>
           <a:prstGeom prst="rect">
@@ -17431,7 +17283,7 @@
           <p:nvPr/>
         </p:nvPicPr>
         <p:blipFill>
-          <a:blip r:embed="rId21"/>
+          <a:blip r:embed="rId19"/>
           <a:stretch>
             <a:fillRect/>
           </a:stretch>
@@ -17490,6 +17342,154 @@
           </a:p>
         </p:txBody>
       </p:sp>
+      <p:pic>
+        <p:nvPicPr>
+          <p:cNvPr id="48" name="Picture 47">
+            <a:extLst>
+              <a:ext uri="{FF2B5EF4-FFF2-40B4-BE49-F238E27FC236}">
+                <a16:creationId xmlns:a16="http://schemas.microsoft.com/office/drawing/2014/main" id="{3ECE17FC-2823-994B-B3A1-D120F2492AD6}"/>
+              </a:ext>
+            </a:extLst>
+          </p:cNvPr>
+          <p:cNvPicPr>
+            <a:picLocks noChangeAspect="1"/>
+          </p:cNvPicPr>
+          <p:nvPr/>
+        </p:nvPicPr>
+        <p:blipFill>
+          <a:blip r:embed="rId20"/>
+          <a:stretch>
+            <a:fillRect/>
+          </a:stretch>
+        </p:blipFill>
+        <p:spPr>
+          <a:xfrm>
+            <a:off x="18722917" y="8277118"/>
+            <a:ext cx="8899155" cy="5203331"/>
+          </a:xfrm>
+          <a:prstGeom prst="rect">
+            <a:avLst/>
+          </a:prstGeom>
+        </p:spPr>
+      </p:pic>
+      <p:sp>
+        <p:nvSpPr>
+          <p:cNvPr id="77" name="TextBox 76"/>
+          <p:cNvSpPr txBox="1"/>
+          <p:nvPr/>
+        </p:nvSpPr>
+        <p:spPr>
+          <a:xfrm>
+            <a:off x="18764937" y="7992689"/>
+            <a:ext cx="7074373" cy="523220"/>
+          </a:xfrm>
+          <a:prstGeom prst="rect">
+            <a:avLst/>
+          </a:prstGeom>
+          <a:noFill/>
+        </p:spPr>
+        <p:txBody>
+          <a:bodyPr wrap="none" rtlCol="0">
+            <a:spAutoFit/>
+          </a:bodyPr>
+          <a:lstStyle/>
+          <a:p>
+            <a:r>
+              <a:rPr lang="en-US" sz="2800" b="1" dirty="0"/>
+              <a:t>3. Weighted graph laid out automatically</a:t>
+            </a:r>
+          </a:p>
+        </p:txBody>
+      </p:sp>
+      <p:pic>
+        <p:nvPicPr>
+          <p:cNvPr id="50" name="Picture 49">
+            <a:extLst>
+              <a:ext uri="{FF2B5EF4-FFF2-40B4-BE49-F238E27FC236}">
+                <a16:creationId xmlns:a16="http://schemas.microsoft.com/office/drawing/2014/main" id="{FD38A3FE-EF9A-B44B-937B-38D9FD8AC286}"/>
+              </a:ext>
+            </a:extLst>
+          </p:cNvPr>
+          <p:cNvPicPr>
+            <a:picLocks noChangeAspect="1"/>
+          </p:cNvPicPr>
+          <p:nvPr/>
+        </p:nvPicPr>
+        <p:blipFill>
+          <a:blip r:embed="rId21"/>
+          <a:stretch>
+            <a:fillRect/>
+          </a:stretch>
+        </p:blipFill>
+        <p:spPr>
+          <a:xfrm>
+            <a:off x="20007909" y="7451940"/>
+            <a:ext cx="7665845" cy="427608"/>
+          </a:xfrm>
+          <a:prstGeom prst="rect">
+            <a:avLst/>
+          </a:prstGeom>
+        </p:spPr>
+      </p:pic>
+      <p:sp>
+        <p:nvSpPr>
+          <p:cNvPr id="87" name="TextBox 86"/>
+          <p:cNvSpPr txBox="1"/>
+          <p:nvPr/>
+        </p:nvSpPr>
+        <p:spPr>
+          <a:xfrm>
+            <a:off x="26678440" y="7399580"/>
+            <a:ext cx="384365" cy="523220"/>
+          </a:xfrm>
+          <a:prstGeom prst="rect">
+            <a:avLst/>
+          </a:prstGeom>
+          <a:noFill/>
+        </p:spPr>
+        <p:txBody>
+          <a:bodyPr wrap="none" rtlCol="0">
+            <a:spAutoFit/>
+          </a:bodyPr>
+          <a:lstStyle/>
+          <a:p>
+            <a:r>
+              <a:rPr lang="en-US" sz="2800" b="1" dirty="0"/>
+              <a:t>4</a:t>
+            </a:r>
+          </a:p>
+        </p:txBody>
+      </p:sp>
+      <p:pic>
+        <p:nvPicPr>
+          <p:cNvPr id="54" name="Picture 53">
+            <a:extLst>
+              <a:ext uri="{FF2B5EF4-FFF2-40B4-BE49-F238E27FC236}">
+                <a16:creationId xmlns:a16="http://schemas.microsoft.com/office/drawing/2014/main" id="{7C61DA7F-FB4D-2849-A514-78F91E9561E1}"/>
+              </a:ext>
+            </a:extLst>
+          </p:cNvPr>
+          <p:cNvPicPr>
+            <a:picLocks noChangeAspect="1"/>
+          </p:cNvPicPr>
+          <p:nvPr/>
+        </p:nvPicPr>
+        <p:blipFill>
+          <a:blip r:embed="rId22"/>
+          <a:stretch>
+            <a:fillRect/>
+          </a:stretch>
+        </p:blipFill>
+        <p:spPr>
+          <a:xfrm>
+            <a:off x="40103180" y="22083340"/>
+            <a:ext cx="2844800" cy="2984500"/>
+          </a:xfrm>
+          <a:prstGeom prst="rect">
+            <a:avLst/>
+          </a:prstGeom>
+        </p:spPr>
+      </p:pic>
     </p:spTree>
     <p:extLst>
       <p:ext uri="{BB962C8B-B14F-4D97-AF65-F5344CB8AC3E}">
